--- a/InfoSec/PPTs/Labs/Lab4-TCP_Attacks.pptx
+++ b/InfoSec/PPTs/Labs/Lab4-TCP_Attacks.pptx
@@ -9624,7 +9624,7 @@
         </p:blipFill>
         <p:spPr>
           <a:xfrm>
-            <a:off x="5037799" y="1969232"/>
+            <a:off x="5529220" y="1785866"/>
             <a:ext cx="3614780" cy="3155574"/>
           </a:xfrm>
           <a:prstGeom prst="rect">
@@ -11838,7 +11838,23 @@
             </a:r>
             <a:r>
               <a:rPr lang="en-GB" sz="1800" dirty="0"/>
-              <a:t> video, any request from the user machine will be responded with a RST packet.</a:t>
+              <a:t> video, any request from the user machine will be responded with a RST packet. (Try </a:t>
+            </a:r>
+            <a:r>
+              <a:rPr lang="en-GB" sz="1800" dirty="0" err="1"/>
+              <a:t>Bilibili</a:t>
+            </a:r>
+            <a:r>
+              <a:rPr lang="en-GB" sz="1800" dirty="0"/>
+              <a:t> or </a:t>
+            </a:r>
+            <a:r>
+              <a:rPr lang="en-GB" sz="1800" dirty="0" err="1"/>
+              <a:t>YouKu</a:t>
+            </a:r>
+            <a:r>
+              <a:rPr lang="en-GB" sz="1800" dirty="0"/>
+              <a:t>.)</a:t>
             </a:r>
           </a:p>
         </p:txBody>
